--- a/Presentation 2.pptx
+++ b/Presentation 2.pptx
@@ -104,6 +104,11 @@
       </a:defRPr>
     </a:lvl9pPr>
   </p:defaultTextStyle>
+  <p:extLst>
+    <p:ext uri="{EFAFB233-063F-42B5-8137-9DF3F51BA10A}">
+      <p15:sldGuideLst xmlns:p15="http://schemas.microsoft.com/office/powerpoint/2012/main"/>
+    </p:ext>
+  </p:extLst>
 </p:presentation>
 </file>
 
@@ -113,82 +118,6 @@
     <p1510:client id="{3D6E8E52-C2E5-49A9-894A-AD656F2B2E3C}" v="2" dt="2022-05-13T20:18:54.091"/>
   </p1510:revLst>
 </p1510:revInfo>
-</file>
-
-<file path=ppt/changesInfos/changesInfo1.xml><?xml version="1.0" encoding="utf-8"?>
-<pc:chgInfo xmlns:a="http://schemas.openxmlformats.org/drawingml/2006/main" xmlns:r="http://schemas.openxmlformats.org/officeDocument/2006/relationships" xmlns:ac="http://schemas.microsoft.com/office/drawing/2013/main/command" xmlns:pc="http://schemas.microsoft.com/office/powerpoint/2013/main/command">
-  <pc:docChgLst>
-    <pc:chgData name="CeeBee Bellinger" userId="275e670ac400b167" providerId="LiveId" clId="{3D6E8E52-C2E5-49A9-894A-AD656F2B2E3C}"/>
-    <pc:docChg chg="custSel addSld delSld modSld">
-      <pc:chgData name="CeeBee Bellinger" userId="275e670ac400b167" providerId="LiveId" clId="{3D6E8E52-C2E5-49A9-894A-AD656F2B2E3C}" dt="2022-05-13T20:39:33.820" v="153" actId="2696"/>
-      <pc:docMkLst>
-        <pc:docMk/>
-      </pc:docMkLst>
-      <pc:sldChg chg="modSp new mod">
-        <pc:chgData name="CeeBee Bellinger" userId="275e670ac400b167" providerId="LiveId" clId="{3D6E8E52-C2E5-49A9-894A-AD656F2B2E3C}" dt="2022-05-13T20:14:22.413" v="147" actId="255"/>
-        <pc:sldMkLst>
-          <pc:docMk/>
-          <pc:sldMk cId="2438015758" sldId="256"/>
-        </pc:sldMkLst>
-        <pc:spChg chg="mod">
-          <ac:chgData name="CeeBee Bellinger" userId="275e670ac400b167" providerId="LiveId" clId="{3D6E8E52-C2E5-49A9-894A-AD656F2B2E3C}" dt="2022-05-13T20:02:46.666" v="34" actId="1076"/>
-          <ac:spMkLst>
-            <pc:docMk/>
-            <pc:sldMk cId="2438015758" sldId="256"/>
-            <ac:spMk id="2" creationId="{2BF4C2A0-26A0-9563-F5CA-E50FBCA69E96}"/>
-          </ac:spMkLst>
-        </pc:spChg>
-        <pc:spChg chg="mod">
-          <ac:chgData name="CeeBee Bellinger" userId="275e670ac400b167" providerId="LiveId" clId="{3D6E8E52-C2E5-49A9-894A-AD656F2B2E3C}" dt="2022-05-13T20:14:22.413" v="147" actId="255"/>
-          <ac:spMkLst>
-            <pc:docMk/>
-            <pc:sldMk cId="2438015758" sldId="256"/>
-            <ac:spMk id="3" creationId="{4F34CE41-A1F4-90F9-EA62-4FDEC254B6E0}"/>
-          </ac:spMkLst>
-        </pc:spChg>
-      </pc:sldChg>
-      <pc:sldChg chg="addSp delSp modSp new del mod setBg">
-        <pc:chgData name="CeeBee Bellinger" userId="275e670ac400b167" providerId="LiveId" clId="{3D6E8E52-C2E5-49A9-894A-AD656F2B2E3C}" dt="2022-05-13T20:39:33.820" v="153" actId="2696"/>
-        <pc:sldMkLst>
-          <pc:docMk/>
-          <pc:sldMk cId="1388402138" sldId="257"/>
-        </pc:sldMkLst>
-        <pc:spChg chg="del">
-          <ac:chgData name="CeeBee Bellinger" userId="275e670ac400b167" providerId="LiveId" clId="{3D6E8E52-C2E5-49A9-894A-AD656F2B2E3C}" dt="2022-05-13T20:18:51.168" v="150" actId="478"/>
-          <ac:spMkLst>
-            <pc:docMk/>
-            <pc:sldMk cId="1388402138" sldId="257"/>
-            <ac:spMk id="2" creationId="{4A634231-AA40-7A60-C090-08B1A75500F1}"/>
-          </ac:spMkLst>
-        </pc:spChg>
-        <pc:spChg chg="del">
-          <ac:chgData name="CeeBee Bellinger" userId="275e670ac400b167" providerId="LiveId" clId="{3D6E8E52-C2E5-49A9-894A-AD656F2B2E3C}" dt="2022-05-13T20:18:40.492" v="149"/>
-          <ac:spMkLst>
-            <pc:docMk/>
-            <pc:sldMk cId="1388402138" sldId="257"/>
-            <ac:spMk id="3" creationId="{F3D7970E-9523-D777-F34F-F8FDC3F027A3}"/>
-          </ac:spMkLst>
-        </pc:spChg>
-        <pc:spChg chg="add">
-          <ac:chgData name="CeeBee Bellinger" userId="275e670ac400b167" providerId="LiveId" clId="{3D6E8E52-C2E5-49A9-894A-AD656F2B2E3C}" dt="2022-05-13T20:18:54.701" v="152" actId="26606"/>
-          <ac:spMkLst>
-            <pc:docMk/>
-            <pc:sldMk cId="1388402138" sldId="257"/>
-            <ac:spMk id="71" creationId="{42A4FC2C-047E-45A5-965D-8E1E3BF09BC6}"/>
-          </ac:spMkLst>
-        </pc:spChg>
-        <pc:picChg chg="add mod">
-          <ac:chgData name="CeeBee Bellinger" userId="275e670ac400b167" providerId="LiveId" clId="{3D6E8E52-C2E5-49A9-894A-AD656F2B2E3C}" dt="2022-05-13T20:18:54.701" v="152" actId="26606"/>
-          <ac:picMkLst>
-            <pc:docMk/>
-            <pc:sldMk cId="1388402138" sldId="257"/>
-            <ac:picMk id="1026" creationId="{AEB6464B-E373-F50B-FC27-45A7CF927729}"/>
-          </ac:picMkLst>
-        </pc:picChg>
-      </pc:sldChg>
-    </pc:docChg>
-  </pc:docChgLst>
-</pc:chgInfo>
 </file>
 
 <file path=ppt/slideLayouts/slideLayout1.xml><?xml version="1.0" encoding="utf-8"?>
@@ -338,7 +267,7 @@
           <a:p>
             <a:fld id="{4FB54422-5365-4B36-8356-43633339AEF5}" type="datetimeFigureOut">
               <a:rPr lang="en-US" smtClean="0"/>
-              <a:t>5/13/2022</a:t>
+              <a:t>5/15/2022</a:t>
             </a:fld>
             <a:endParaRPr lang="en-US"/>
           </a:p>
@@ -536,7 +465,7 @@
           <a:p>
             <a:fld id="{4FB54422-5365-4B36-8356-43633339AEF5}" type="datetimeFigureOut">
               <a:rPr lang="en-US" smtClean="0"/>
-              <a:t>5/13/2022</a:t>
+              <a:t>5/15/2022</a:t>
             </a:fld>
             <a:endParaRPr lang="en-US"/>
           </a:p>
@@ -744,7 +673,7 @@
           <a:p>
             <a:fld id="{4FB54422-5365-4B36-8356-43633339AEF5}" type="datetimeFigureOut">
               <a:rPr lang="en-US" smtClean="0"/>
-              <a:t>5/13/2022</a:t>
+              <a:t>5/15/2022</a:t>
             </a:fld>
             <a:endParaRPr lang="en-US"/>
           </a:p>
@@ -942,7 +871,7 @@
           <a:p>
             <a:fld id="{4FB54422-5365-4B36-8356-43633339AEF5}" type="datetimeFigureOut">
               <a:rPr lang="en-US" smtClean="0"/>
-              <a:t>5/13/2022</a:t>
+              <a:t>5/15/2022</a:t>
             </a:fld>
             <a:endParaRPr lang="en-US"/>
           </a:p>
@@ -1217,7 +1146,7 @@
           <a:p>
             <a:fld id="{4FB54422-5365-4B36-8356-43633339AEF5}" type="datetimeFigureOut">
               <a:rPr lang="en-US" smtClean="0"/>
-              <a:t>5/13/2022</a:t>
+              <a:t>5/15/2022</a:t>
             </a:fld>
             <a:endParaRPr lang="en-US"/>
           </a:p>
@@ -1482,7 +1411,7 @@
           <a:p>
             <a:fld id="{4FB54422-5365-4B36-8356-43633339AEF5}" type="datetimeFigureOut">
               <a:rPr lang="en-US" smtClean="0"/>
-              <a:t>5/13/2022</a:t>
+              <a:t>5/15/2022</a:t>
             </a:fld>
             <a:endParaRPr lang="en-US"/>
           </a:p>
@@ -1894,7 +1823,7 @@
           <a:p>
             <a:fld id="{4FB54422-5365-4B36-8356-43633339AEF5}" type="datetimeFigureOut">
               <a:rPr lang="en-US" smtClean="0"/>
-              <a:t>5/13/2022</a:t>
+              <a:t>5/15/2022</a:t>
             </a:fld>
             <a:endParaRPr lang="en-US"/>
           </a:p>
@@ -2035,7 +1964,7 @@
           <a:p>
             <a:fld id="{4FB54422-5365-4B36-8356-43633339AEF5}" type="datetimeFigureOut">
               <a:rPr lang="en-US" smtClean="0"/>
-              <a:t>5/13/2022</a:t>
+              <a:t>5/15/2022</a:t>
             </a:fld>
             <a:endParaRPr lang="en-US"/>
           </a:p>
@@ -2148,7 +2077,7 @@
           <a:p>
             <a:fld id="{4FB54422-5365-4B36-8356-43633339AEF5}" type="datetimeFigureOut">
               <a:rPr lang="en-US" smtClean="0"/>
-              <a:t>5/13/2022</a:t>
+              <a:t>5/15/2022</a:t>
             </a:fld>
             <a:endParaRPr lang="en-US"/>
           </a:p>
@@ -2459,7 +2388,7 @@
           <a:p>
             <a:fld id="{4FB54422-5365-4B36-8356-43633339AEF5}" type="datetimeFigureOut">
               <a:rPr lang="en-US" smtClean="0"/>
-              <a:t>5/13/2022</a:t>
+              <a:t>5/15/2022</a:t>
             </a:fld>
             <a:endParaRPr lang="en-US"/>
           </a:p>
@@ -2747,7 +2676,7 @@
           <a:p>
             <a:fld id="{4FB54422-5365-4B36-8356-43633339AEF5}" type="datetimeFigureOut">
               <a:rPr lang="en-US" smtClean="0"/>
-              <a:t>5/13/2022</a:t>
+              <a:t>5/15/2022</a:t>
             </a:fld>
             <a:endParaRPr lang="en-US"/>
           </a:p>
@@ -2988,7 +2917,7 @@
           <a:p>
             <a:fld id="{4FB54422-5365-4B36-8356-43633339AEF5}" type="datetimeFigureOut">
               <a:rPr lang="en-US" smtClean="0"/>
-              <a:t>5/13/2022</a:t>
+              <a:t>5/15/2022</a:t>
             </a:fld>
             <a:endParaRPr lang="en-US"/>
           </a:p>
@@ -3433,7 +3362,7 @@
           <a:p>
             <a:r>
               <a:rPr lang="en-US" dirty="0"/>
-              <a:t>Stored Procedure</a:t>
+              <a:t>Stored Procedure Differences</a:t>
             </a:r>
             <a:br>
               <a:rPr lang="en-US" dirty="0"/>
@@ -3460,7 +3389,7 @@
         </p:nvSpPr>
         <p:spPr>
           <a:xfrm>
-            <a:off x="1633471" y="1648046"/>
+            <a:off x="1750429" y="1892595"/>
             <a:ext cx="9658306" cy="4635795"/>
           </a:xfrm>
         </p:spPr>
@@ -3477,35 +3406,12 @@
             <a:r>
               <a:rPr lang="en-US" b="0" i="0" dirty="0">
                 <a:solidFill>
-                  <a:srgbClr val="212529"/>
+                  <a:srgbClr val="414141"/>
                 </a:solidFill>
                 <a:effectLst/>
-                <a:latin typeface="Times New Roman" panose="02020603050405020304" pitchFamily="18" charset="0"/>
-                <a:cs typeface="Times New Roman" panose="02020603050405020304" pitchFamily="18" charset="0"/>
+                <a:latin typeface="Verdana" panose="020B0604030504040204" pitchFamily="34" charset="0"/>
               </a:rPr>
-              <a:t>A stored procedure is a set of SQL statements and </a:t>
-            </a:r>
-            <a:r>
-              <a:rPr lang="en-US" b="0" i="0" dirty="0" err="1">
-                <a:solidFill>
-                  <a:srgbClr val="212529"/>
-                </a:solidFill>
-                <a:effectLst/>
-                <a:latin typeface="Times New Roman" panose="02020603050405020304" pitchFamily="18" charset="0"/>
-                <a:cs typeface="Times New Roman" panose="02020603050405020304" pitchFamily="18" charset="0"/>
-              </a:rPr>
-              <a:t>othat</a:t>
-            </a:r>
-            <a:r>
-              <a:rPr lang="en-US" b="0" i="0" dirty="0">
-                <a:solidFill>
-                  <a:srgbClr val="212529"/>
-                </a:solidFill>
-                <a:effectLst/>
-                <a:latin typeface="Times New Roman" panose="02020603050405020304" pitchFamily="18" charset="0"/>
-                <a:cs typeface="Times New Roman" panose="02020603050405020304" pitchFamily="18" charset="0"/>
-              </a:rPr>
-              <a:t> are stored in a relational database management system (RDBMS) as a group that you can save and reuse over and over again.</a:t>
+              <a:t>Can return zero, single or multiple values.</a:t>
             </a:r>
           </a:p>
           <a:p>
@@ -3516,13 +3422,12 @@
             <a:r>
               <a:rPr lang="en-US" b="0" i="0" dirty="0">
                 <a:solidFill>
-                  <a:srgbClr val="212529"/>
+                  <a:srgbClr val="414141"/>
                 </a:solidFill>
                 <a:effectLst/>
-                <a:latin typeface="Times New Roman" panose="02020603050405020304" pitchFamily="18" charset="0"/>
-                <a:cs typeface="Times New Roman" panose="02020603050405020304" pitchFamily="18" charset="0"/>
+                <a:latin typeface="Verdana" panose="020B0604030504040204" pitchFamily="34" charset="0"/>
               </a:rPr>
-              <a:t>A stored procedure can consist of multiple SQL statements like SELECT, INSERT, UPDATE or DELETE. </a:t>
+              <a:t>Can perform any operation on database objects including select and DML statements.</a:t>
             </a:r>
           </a:p>
           <a:p>
@@ -3533,73 +3438,61 @@
             <a:r>
               <a:rPr lang="en-US" b="0" i="0" dirty="0">
                 <a:solidFill>
-                  <a:srgbClr val="212529"/>
+                  <a:srgbClr val="414141"/>
                 </a:solidFill>
                 <a:effectLst/>
-                <a:latin typeface="Times New Roman" panose="02020603050405020304" pitchFamily="18" charset="0"/>
-                <a:cs typeface="Times New Roman" panose="02020603050405020304" pitchFamily="18" charset="0"/>
+                <a:latin typeface="Verdana" panose="020B0604030504040204" pitchFamily="34" charset="0"/>
               </a:rPr>
-              <a:t>They run as a unit and are used to solve a specific problem or perform a set of related tasks.</a:t>
-            </a:r>
-          </a:p>
-          <a:p>
-            <a:pPr marL="800100" lvl="1" indent="-342900" algn="l">
-              <a:buFont typeface="Arial" panose="020B0604020202020204" pitchFamily="34" charset="0"/>
-              <a:buChar char="•"/>
-            </a:pPr>
-            <a:r>
-              <a:rPr lang="en-US" sz="2400" dirty="0">
-                <a:solidFill>
-                  <a:srgbClr val="212529"/>
-                </a:solidFill>
-                <a:latin typeface="Times New Roman" panose="02020603050405020304" pitchFamily="18" charset="0"/>
-                <a:cs typeface="Times New Roman" panose="02020603050405020304" pitchFamily="18" charset="0"/>
-              </a:rPr>
-              <a:t>In other words, </a:t>
-            </a:r>
-            <a:r>
-              <a:rPr lang="en-US" sz="2400" b="0" i="0" dirty="0">
-                <a:solidFill>
-                  <a:srgbClr val="212529"/>
-                </a:solidFill>
-                <a:effectLst/>
-                <a:latin typeface="Times New Roman" panose="02020603050405020304" pitchFamily="18" charset="0"/>
-                <a:cs typeface="Times New Roman" panose="02020603050405020304" pitchFamily="18" charset="0"/>
-              </a:rPr>
-              <a:t>if you have an SQL query that you need and write repeatedly, you can save it as a stored procedure and then call it to perform the query.  </a:t>
-            </a:r>
-          </a:p>
-          <a:p>
-            <a:pPr marL="285750" indent="-285750" algn="l">
-              <a:buFont typeface="Arial" panose="020B0604020202020204" pitchFamily="34" charset="0"/>
-              <a:buChar char="•"/>
-            </a:pPr>
-            <a:r>
-              <a:rPr lang="en-US" dirty="0">
-                <a:solidFill>
-                  <a:srgbClr val="141414"/>
-                </a:solidFill>
-                <a:effectLst/>
-                <a:latin typeface="Times New Roman" panose="02020603050405020304" pitchFamily="18" charset="0"/>
-                <a:ea typeface="Calibri" panose="020F0502020204030204" pitchFamily="34" charset="0"/>
-                <a:cs typeface="Times New Roman" panose="02020603050405020304" pitchFamily="18" charset="0"/>
-              </a:rPr>
-              <a:t>The primary goal of stored procedures is to hide direct SQL queries from the code and speed up database operations like select, update, and delete.</a:t>
-            </a:r>
-            <a:endParaRPr lang="en-US" b="0" i="0" dirty="0">
-              <a:solidFill>
-                <a:srgbClr val="212529"/>
-              </a:solidFill>
-              <a:effectLst/>
-              <a:latin typeface="Times New Roman" panose="02020603050405020304" pitchFamily="18" charset="0"/>
-              <a:cs typeface="Times New Roman" panose="02020603050405020304" pitchFamily="18" charset="0"/>
-            </a:endParaRPr>
+              <a:t>Allows both input and output parameters.</a:t>
+            </a:r>
           </a:p>
           <a:p>
             <a:pPr marL="342900" indent="-342900" algn="l">
               <a:buFont typeface="Arial" panose="020B0604020202020204" pitchFamily="34" charset="0"/>
               <a:buChar char="•"/>
             </a:pPr>
+            <a:r>
+              <a:rPr lang="en-US" b="0" i="0" dirty="0">
+                <a:solidFill>
+                  <a:srgbClr val="414141"/>
+                </a:solidFill>
+                <a:effectLst/>
+                <a:latin typeface="Verdana" panose="020B0604030504040204" pitchFamily="34" charset="0"/>
+              </a:rPr>
+              <a:t>Can call a function from a stored procedure.</a:t>
+            </a:r>
+          </a:p>
+          <a:p>
+            <a:pPr marL="342900" indent="-342900" algn="l">
+              <a:buFont typeface="Arial" panose="020B0604020202020204" pitchFamily="34" charset="0"/>
+              <a:buChar char="•"/>
+            </a:pPr>
+            <a:r>
+              <a:rPr lang="en-US" b="0" i="0" dirty="0">
+                <a:solidFill>
+                  <a:srgbClr val="414141"/>
+                </a:solidFill>
+                <a:effectLst/>
+                <a:latin typeface="Verdana" panose="020B0604030504040204" pitchFamily="34" charset="0"/>
+              </a:rPr>
+              <a:t>Stored procedures cannot be called from a Select/Where or Having statements. Execute statement has to be used to execute a stored procedure.</a:t>
+            </a:r>
+          </a:p>
+          <a:p>
+            <a:pPr marL="342900" indent="-342900" algn="l">
+              <a:buFont typeface="Arial" panose="020B0604020202020204" pitchFamily="34" charset="0"/>
+              <a:buChar char="•"/>
+            </a:pPr>
+            <a:r>
+              <a:rPr lang="en-US" b="0" i="0" dirty="0">
+                <a:solidFill>
+                  <a:srgbClr val="414141"/>
+                </a:solidFill>
+                <a:effectLst/>
+                <a:latin typeface="Verdana" panose="020B0604030504040204" pitchFamily="34" charset="0"/>
+              </a:rPr>
+              <a:t>Stored procedures cannot be used in JOIN clauses</a:t>
+            </a:r>
             <a:endParaRPr lang="en-US" dirty="0"/>
           </a:p>
         </p:txBody>
